--- a/02_slides/Statistics-for-linguists-2023-12-13-multivariate-confounds-interactions.pptx
+++ b/02_slides/Statistics-for-linguists-2023-12-13-multivariate-confounds-interactions.pptx
@@ -402,7 +402,7 @@
           <a:p>
             <a:fld id="{A2CB4CF4-4D3F-4494-8FBC-BA04D3B1C427}" type="datetimeFigureOut">
               <a:rPr lang="en-US" smtClean="0"/>
-              <a:t>12/12/2023</a:t>
+              <a:t>12/13/2023</a:t>
             </a:fld>
             <a:endParaRPr lang="en-US"/>
           </a:p>
@@ -600,7 +600,7 @@
           <a:p>
             <a:fld id="{A2CB4CF4-4D3F-4494-8FBC-BA04D3B1C427}" type="datetimeFigureOut">
               <a:rPr lang="en-US" smtClean="0"/>
-              <a:t>12/12/2023</a:t>
+              <a:t>12/13/2023</a:t>
             </a:fld>
             <a:endParaRPr lang="en-US"/>
           </a:p>
@@ -808,7 +808,7 @@
           <a:p>
             <a:fld id="{A2CB4CF4-4D3F-4494-8FBC-BA04D3B1C427}" type="datetimeFigureOut">
               <a:rPr lang="en-US" smtClean="0"/>
-              <a:t>12/12/2023</a:t>
+              <a:t>12/13/2023</a:t>
             </a:fld>
             <a:endParaRPr lang="en-US"/>
           </a:p>
@@ -1006,7 +1006,7 @@
           <a:p>
             <a:fld id="{A2CB4CF4-4D3F-4494-8FBC-BA04D3B1C427}" type="datetimeFigureOut">
               <a:rPr lang="en-US" smtClean="0"/>
-              <a:t>12/12/2023</a:t>
+              <a:t>12/13/2023</a:t>
             </a:fld>
             <a:endParaRPr lang="en-US"/>
           </a:p>
@@ -1281,7 +1281,7 @@
           <a:p>
             <a:fld id="{A2CB4CF4-4D3F-4494-8FBC-BA04D3B1C427}" type="datetimeFigureOut">
               <a:rPr lang="en-US" smtClean="0"/>
-              <a:t>12/12/2023</a:t>
+              <a:t>12/13/2023</a:t>
             </a:fld>
             <a:endParaRPr lang="en-US"/>
           </a:p>
@@ -1546,7 +1546,7 @@
           <a:p>
             <a:fld id="{A2CB4CF4-4D3F-4494-8FBC-BA04D3B1C427}" type="datetimeFigureOut">
               <a:rPr lang="en-US" smtClean="0"/>
-              <a:t>12/12/2023</a:t>
+              <a:t>12/13/2023</a:t>
             </a:fld>
             <a:endParaRPr lang="en-US"/>
           </a:p>
@@ -1958,7 +1958,7 @@
           <a:p>
             <a:fld id="{A2CB4CF4-4D3F-4494-8FBC-BA04D3B1C427}" type="datetimeFigureOut">
               <a:rPr lang="en-US" smtClean="0"/>
-              <a:t>12/12/2023</a:t>
+              <a:t>12/13/2023</a:t>
             </a:fld>
             <a:endParaRPr lang="en-US"/>
           </a:p>
@@ -2099,7 +2099,7 @@
           <a:p>
             <a:fld id="{A2CB4CF4-4D3F-4494-8FBC-BA04D3B1C427}" type="datetimeFigureOut">
               <a:rPr lang="en-US" smtClean="0"/>
-              <a:t>12/12/2023</a:t>
+              <a:t>12/13/2023</a:t>
             </a:fld>
             <a:endParaRPr lang="en-US"/>
           </a:p>
@@ -2212,7 +2212,7 @@
           <a:p>
             <a:fld id="{A2CB4CF4-4D3F-4494-8FBC-BA04D3B1C427}" type="datetimeFigureOut">
               <a:rPr lang="en-US" smtClean="0"/>
-              <a:t>12/12/2023</a:t>
+              <a:t>12/13/2023</a:t>
             </a:fld>
             <a:endParaRPr lang="en-US"/>
           </a:p>
@@ -2523,7 +2523,7 @@
           <a:p>
             <a:fld id="{A2CB4CF4-4D3F-4494-8FBC-BA04D3B1C427}" type="datetimeFigureOut">
               <a:rPr lang="en-US" smtClean="0"/>
-              <a:t>12/12/2023</a:t>
+              <a:t>12/13/2023</a:t>
             </a:fld>
             <a:endParaRPr lang="en-US"/>
           </a:p>
@@ -2811,7 +2811,7 @@
           <a:p>
             <a:fld id="{A2CB4CF4-4D3F-4494-8FBC-BA04D3B1C427}" type="datetimeFigureOut">
               <a:rPr lang="en-US" smtClean="0"/>
-              <a:t>12/12/2023</a:t>
+              <a:t>12/13/2023</a:t>
             </a:fld>
             <a:endParaRPr lang="en-US"/>
           </a:p>
@@ -3052,7 +3052,7 @@
           <a:p>
             <a:fld id="{A2CB4CF4-4D3F-4494-8FBC-BA04D3B1C427}" type="datetimeFigureOut">
               <a:rPr lang="en-US" smtClean="0"/>
-              <a:t>12/12/2023</a:t>
+              <a:t>12/13/2023</a:t>
             </a:fld>
             <a:endParaRPr lang="en-US"/>
           </a:p>
@@ -8736,7 +8736,7 @@
           <a:p>
             <a:r>
               <a:rPr lang="en-US" dirty="0"/>
-              <a:t>Sometimes the strength, significance or even direction of an effect is related to </a:t>
+              <a:t>Sometimes the strength, significance or even direction of an effect is related to some other variable. </a:t>
             </a:r>
           </a:p>
           <a:p>
@@ -8852,7 +8852,7 @@
             </a:r>
             <a:r>
               <a:rPr lang="en-US" dirty="0" err="1"/>
-              <a:t>Rlang</a:t>
+              <a:t>Rling</a:t>
             </a:r>
             <a:r>
               <a:rPr lang="en-US" dirty="0"/>
@@ -23908,7 +23908,14 @@
                             <a:latin typeface="Cambria Math" panose="02040503050406030204" pitchFamily="18" charset="0"/>
                             <a:ea typeface="Cambria Math" panose="02040503050406030204" pitchFamily="18" charset="0"/>
                           </a:rPr>
-                          <m:t>2 </m:t>
+                          <m:t>2</m:t>
+                        </m:r>
+                        <m:r>
+                          <a:rPr lang="en-US" sz="2400" b="0" i="1" smtClean="0">
+                            <a:latin typeface="Cambria Math" panose="02040503050406030204" pitchFamily="18" charset="0"/>
+                            <a:ea typeface="Cambria Math" panose="02040503050406030204" pitchFamily="18" charset="0"/>
+                          </a:rPr>
+                          <m:t> </m:t>
                         </m:r>
                       </m:sub>
                     </m:sSub>
@@ -24166,7 +24173,19 @@
                         <a:rPr lang="es-BO" sz="2400" i="0">
                           <a:latin typeface="Cambria Math" panose="02040503050406030204" pitchFamily="18" charset="0"/>
                         </a:rPr>
-                        <m:t>(0,</m:t>
+                        <m:t>(</m:t>
+                      </m:r>
+                      <m:r>
+                        <a:rPr lang="es-BO" sz="2400" i="0">
+                          <a:latin typeface="Cambria Math" panose="02040503050406030204" pitchFamily="18" charset="0"/>
+                        </a:rPr>
+                        <m:t>0</m:t>
+                      </m:r>
+                      <m:r>
+                        <a:rPr lang="es-BO" sz="2400" i="0">
+                          <a:latin typeface="Cambria Math" panose="02040503050406030204" pitchFamily="18" charset="0"/>
+                        </a:rPr>
+                        <m:t>,</m:t>
                       </m:r>
                       <m:r>
                         <m:rPr>
